--- a/00.0 -- 移动开发 -- 第00章.pptx
+++ b/00.0 -- 移动开发 -- 第00章.pptx
@@ -7633,17 +7633,53 @@
         </p:nvSpPr>
         <p:spPr>
           <a:xfrm>
-            <a:off x="4559300" y="1401763"/>
+            <a:off x="4943920" y="1401763"/>
             <a:ext cx="5854700" cy="4467225"/>
           </a:xfrm>
           <a:prstGeom prst="rect">
             <a:avLst/>
           </a:prstGeom>
-          <a:noFill/>
-          <a:ln w="9525">
+          <a:gradFill flip="none" rotWithShape="1">
+            <a:gsLst>
+              <a:gs pos="0">
+                <a:schemeClr val="dk1">
+                  <a:lumMod val="67000"/>
+                </a:schemeClr>
+              </a:gs>
+              <a:gs pos="48000">
+                <a:schemeClr val="dk1">
+                  <a:lumMod val="97000"/>
+                  <a:lumOff val="3000"/>
+                </a:schemeClr>
+              </a:gs>
+              <a:gs pos="100000">
+                <a:schemeClr val="dk1">
+                  <a:lumMod val="60000"/>
+                  <a:lumOff val="40000"/>
+                </a:schemeClr>
+              </a:gs>
+            </a:gsLst>
+            <a:lin ang="16200000" scaled="1"/>
+            <a:tileRect/>
+          </a:gradFill>
+          <a:ln>
             <a:noFill/>
           </a:ln>
         </p:spPr>
+        <p:style>
+          <a:lnRef idx="0">
+            <a:scrgbClr r="0" g="0" b="0"/>
+          </a:lnRef>
+          <a:fillRef idx="0">
+            <a:scrgbClr r="0" g="0" b="0"/>
+          </a:fillRef>
+          <a:effectRef idx="0">
+            <a:scrgbClr r="0" g="0" b="0"/>
+          </a:effectRef>
+          <a:fontRef idx="minor">
+            <a:schemeClr val="lt1"/>
+          </a:fontRef>
+        </p:style>
         <p:txBody>
           <a:bodyPr lIns="68580" tIns="34290" rIns="68580" bIns="34290">
             <a:spAutoFit/>
@@ -7779,7 +7815,7 @@
                 <a:ea typeface="微软雅黑" panose="020B0503020204020204" pitchFamily="34" charset="-122"/>
                 <a:sym typeface="+mn-ea"/>
               </a:rPr>
-              <a:t>5. 教学计划&amp;作业</a:t>
+              <a:t>5. 教学计划</a:t>
             </a:r>
           </a:p>
           <a:p>
@@ -7828,8 +7864,8 @@
         </p:blipFill>
         <p:spPr bwMode="auto">
           <a:xfrm>
-            <a:off x="525463" y="1042988"/>
-            <a:ext cx="3486150" cy="5235575"/>
+            <a:off x="839634" y="1401763"/>
+            <a:ext cx="2974537" cy="4467224"/>
           </a:xfrm>
           <a:prstGeom prst="rect">
             <a:avLst/>
@@ -8057,7 +8093,7 @@
       </p:par>
     </p:tnLst>
     <p:bldLst>
-      <p:bldP spid="5" grpId="0"/>
+      <p:bldP spid="5" grpId="0" animBg="1"/>
     </p:bldLst>
   </p:timing>
 </p:sld>
@@ -8094,19 +8130,37 @@
         </p:nvSpPr>
         <p:spPr>
           <a:xfrm>
-            <a:off x="4167183" y="1298575"/>
-            <a:ext cx="7510467" cy="4977130"/>
+            <a:off x="4151865" y="1215194"/>
+            <a:ext cx="7329192" cy="5030031"/>
           </a:xfrm>
           <a:prstGeom prst="rect">
             <a:avLst/>
           </a:prstGeom>
-          <a:noFill/>
-          <a:ln w="9525">
+          <a:solidFill>
+            <a:schemeClr val="dk1">
+              <a:alpha val="50000"/>
+            </a:schemeClr>
+          </a:solidFill>
+          <a:ln>
             <a:noFill/>
           </a:ln>
         </p:spPr>
+        <p:style>
+          <a:lnRef idx="0">
+            <a:scrgbClr r="0" g="0" b="0"/>
+          </a:lnRef>
+          <a:fillRef idx="0">
+            <a:scrgbClr r="0" g="0" b="0"/>
+          </a:fillRef>
+          <a:effectRef idx="0">
+            <a:scrgbClr r="0" g="0" b="0"/>
+          </a:effectRef>
+          <a:fontRef idx="minor">
+            <a:schemeClr val="lt1"/>
+          </a:fontRef>
+        </p:style>
         <p:txBody>
-          <a:bodyPr>
+          <a:bodyPr wrap="square">
             <a:spAutoFit/>
           </a:bodyPr>
           <a:lstStyle/>
@@ -8404,7 +8458,7 @@
               <a:defRPr/>
             </a:pPr>
             <a:r>
-              <a:rPr lang="zh-CN" altLang="en-US" noProof="1">
+              <a:rPr lang="zh-CN" altLang="en-US" b="1" noProof="1">
                 <a:solidFill>
                   <a:srgbClr val="FF0000"/>
                 </a:solidFill>
@@ -8415,7 +8469,7 @@
               <a:t>智能</a:t>
             </a:r>
             <a:r>
-              <a:rPr lang="en-US" altLang="en-US" noProof="1">
+              <a:rPr lang="en-US" altLang="en-US" b="1" noProof="1">
                 <a:solidFill>
                   <a:srgbClr val="FF0000"/>
                 </a:solidFill>
@@ -8557,14 +8611,6 @@
               </a:rPr>
               <a:t>POS机</a:t>
             </a:r>
-            <a:endParaRPr lang="zh-CN" altLang="en-US" noProof="1">
-              <a:solidFill>
-                <a:srgbClr val="7030A0"/>
-              </a:solidFill>
-              <a:latin typeface="Times New Roman" panose="02020603050405020304" pitchFamily="18" charset="0"/>
-              <a:ea typeface="宋体" panose="02010600030101010101" pitchFamily="2" charset="-122"/>
-              <a:sym typeface="黑体" panose="02010609060101010101" pitchFamily="49" charset="-122"/>
-            </a:endParaRPr>
           </a:p>
           <a:p>
             <a:pPr marL="1200150" lvl="2" indent="-285750">
@@ -8586,11 +8632,6 @@
               </a:rPr>
               <a:t>车载电脑</a:t>
             </a:r>
-            <a:endParaRPr lang="en-US" altLang="en-US" sz="2800" noProof="1">
-              <a:latin typeface="Times New Roman" panose="02020603050405020304" pitchFamily="18" charset="0"/>
-              <a:ea typeface="宋体" panose="02010600030101010101" pitchFamily="2" charset="-122"/>
-              <a:sym typeface="+mn-ea"/>
-            </a:endParaRPr>
           </a:p>
           <a:p>
             <a:pPr indent="457200">
@@ -9238,31 +9279,40 @@
         </p:nvSpPr>
         <p:spPr>
           <a:xfrm>
-            <a:off x="910589" y="1422078"/>
-            <a:ext cx="9979025" cy="4272915"/>
+            <a:off x="839635" y="1744304"/>
+            <a:ext cx="5401426" cy="3865738"/>
           </a:xfrm>
           <a:prstGeom prst="rect">
             <a:avLst/>
           </a:prstGeom>
-          <a:noFill/>
+          <a:solidFill>
+            <a:schemeClr val="dk1">
+              <a:alpha val="50000"/>
+            </a:schemeClr>
+          </a:solidFill>
+          <a:ln>
+            <a:noFill/>
+          </a:ln>
         </p:spPr>
+        <p:style>
+          <a:lnRef idx="0">
+            <a:scrgbClr r="0" g="0" b="0"/>
+          </a:lnRef>
+          <a:fillRef idx="0">
+            <a:scrgbClr r="0" g="0" b="0"/>
+          </a:fillRef>
+          <a:effectRef idx="0">
+            <a:scrgbClr r="0" g="0" b="0"/>
+          </a:effectRef>
+          <a:fontRef idx="minor">
+            <a:schemeClr val="lt1"/>
+          </a:fontRef>
+        </p:style>
         <p:txBody>
-          <a:bodyPr>
+          <a:bodyPr wrap="square">
             <a:spAutoFit/>
           </a:bodyPr>
           <a:lstStyle/>
-          <a:p>
-            <a:pPr fontAlgn="auto">
-              <a:defRPr/>
-            </a:pPr>
-            <a:endParaRPr lang="zh-CN" altLang="en-US" sz="2000" b="1" noProof="1">
-              <a:solidFill>
-                <a:srgbClr val="7030A0"/>
-              </a:solidFill>
-              <a:latin typeface="Times New Roman" panose="02020603050405020304" pitchFamily="18" charset="0"/>
-              <a:sym typeface="+mn-ea"/>
-            </a:endParaRPr>
-          </a:p>
           <a:p>
             <a:pPr marL="342900" indent="-342900" fontAlgn="auto">
               <a:lnSpc>
@@ -9536,7 +9586,7 @@
         </p:blipFill>
         <p:spPr bwMode="auto">
           <a:xfrm>
-            <a:off x="6175375" y="4327525"/>
+            <a:off x="8965987" y="4437070"/>
             <a:ext cx="2352675" cy="1095375"/>
           </a:xfrm>
           <a:prstGeom prst="rect">
@@ -9596,7 +9646,7 @@
         </p:blipFill>
         <p:spPr bwMode="auto">
           <a:xfrm>
-            <a:off x="5864225" y="1130300"/>
+            <a:off x="6528030" y="1124840"/>
             <a:ext cx="2462213" cy="3063875"/>
           </a:xfrm>
           <a:prstGeom prst="rect">
@@ -9656,7 +9706,7 @@
         </p:blipFill>
         <p:spPr bwMode="auto">
           <a:xfrm>
-            <a:off x="8158163" y="1600200"/>
+            <a:off x="9048205" y="1579813"/>
             <a:ext cx="2732087" cy="1820863"/>
           </a:xfrm>
           <a:prstGeom prst="rect">
@@ -10166,30 +10216,29 @@
           <a:prstGeom prst="rect">
             <a:avLst/>
           </a:prstGeom>
-          <a:noFill/>
+          <a:solidFill>
+            <a:schemeClr val="dk1">
+              <a:alpha val="50000"/>
+            </a:schemeClr>
+          </a:solidFill>
           <a:ln>
             <a:noFill/>
           </a:ln>
-          <a:extLst>
-            <a:ext uri="{909E8E84-426E-40DD-AFC4-6F175D3DCCD1}">
-              <a14:hiddenFill xmlns:a14="http://schemas.microsoft.com/office/drawing/2010/main">
-                <a:solidFill>
-                  <a:srgbClr val="FFFFFF"/>
-                </a:solidFill>
-              </a14:hiddenFill>
-            </a:ext>
-            <a:ext uri="{91240B29-F687-4F45-9708-019B960494DF}">
-              <a14:hiddenLine xmlns:a14="http://schemas.microsoft.com/office/drawing/2010/main" w="9525">
-                <a:solidFill>
-                  <a:srgbClr val="000000"/>
-                </a:solidFill>
-                <a:miter lim="800000"/>
-                <a:headEnd/>
-                <a:tailEnd/>
-              </a14:hiddenLine>
-            </a:ext>
-          </a:extLst>
         </p:spPr>
+        <p:style>
+          <a:lnRef idx="0">
+            <a:scrgbClr r="0" g="0" b="0"/>
+          </a:lnRef>
+          <a:fillRef idx="0">
+            <a:scrgbClr r="0" g="0" b="0"/>
+          </a:fillRef>
+          <a:effectRef idx="0">
+            <a:scrgbClr r="0" g="0" b="0"/>
+          </a:effectRef>
+          <a:fontRef idx="minor">
+            <a:schemeClr val="lt1"/>
+          </a:fontRef>
+        </p:style>
         <p:txBody>
           <a:bodyPr>
             <a:spAutoFit/>
@@ -10475,35 +10524,34 @@
         <p:spPr bwMode="auto">
           <a:xfrm>
             <a:off x="739775" y="1408113"/>
-            <a:ext cx="10912475" cy="4616648"/>
+            <a:ext cx="10912475" cy="4739759"/>
           </a:xfrm>
           <a:prstGeom prst="rect">
             <a:avLst/>
           </a:prstGeom>
-          <a:noFill/>
+          <a:solidFill>
+            <a:schemeClr val="dk1">
+              <a:alpha val="50000"/>
+            </a:schemeClr>
+          </a:solidFill>
           <a:ln>
             <a:noFill/>
           </a:ln>
-          <a:extLst>
-            <a:ext uri="{909E8E84-426E-40DD-AFC4-6F175D3DCCD1}">
-              <a14:hiddenFill xmlns:a14="http://schemas.microsoft.com/office/drawing/2010/main">
-                <a:solidFill>
-                  <a:srgbClr val="FFFFFF"/>
-                </a:solidFill>
-              </a14:hiddenFill>
-            </a:ext>
-            <a:ext uri="{91240B29-F687-4F45-9708-019B960494DF}">
-              <a14:hiddenLine xmlns:a14="http://schemas.microsoft.com/office/drawing/2010/main" w="9525">
-                <a:solidFill>
-                  <a:srgbClr val="000000"/>
-                </a:solidFill>
-                <a:miter lim="800000"/>
-                <a:headEnd/>
-                <a:tailEnd/>
-              </a14:hiddenLine>
-            </a:ext>
-          </a:extLst>
         </p:spPr>
+        <p:style>
+          <a:lnRef idx="0">
+            <a:scrgbClr r="0" g="0" b="0"/>
+          </a:lnRef>
+          <a:fillRef idx="0">
+            <a:scrgbClr r="0" g="0" b="0"/>
+          </a:fillRef>
+          <a:effectRef idx="0">
+            <a:scrgbClr r="0" g="0" b="0"/>
+          </a:effectRef>
+          <a:fontRef idx="minor">
+            <a:schemeClr val="lt1"/>
+          </a:fontRef>
+        </p:style>
         <p:txBody>
           <a:bodyPr>
             <a:spAutoFit/>
@@ -10515,6 +10563,9 @@
             </a:pPr>
             <a:r>
               <a:rPr sz="2000" b="1" noProof="1">
+                <a:solidFill>
+                  <a:schemeClr val="tx1"/>
+                </a:solidFill>
                 <a:latin typeface="+mn-lt"/>
                 <a:ea typeface="宋体" panose="02010600030101010101" pitchFamily="2" charset="-122"/>
                 <a:sym typeface="+mn-ea"/>
@@ -10523,19 +10574,38 @@
             </a:r>
             <a:r>
               <a:rPr lang="zh-CN" sz="2000" b="1" noProof="1">
+                <a:solidFill>
+                  <a:schemeClr val="tx1"/>
+                </a:solidFill>
                 <a:latin typeface="+mn-lt"/>
                 <a:ea typeface="宋体" panose="02010600030101010101" pitchFamily="2" charset="-122"/>
                 <a:sym typeface="+mn-ea"/>
               </a:rPr>
               <a:t>：</a:t>
             </a:r>
+            <a:endParaRPr lang="en-US" altLang="zh-CN" sz="2000" b="1" noProof="1">
+              <a:solidFill>
+                <a:schemeClr val="tx1"/>
+              </a:solidFill>
+              <a:latin typeface="+mn-lt"/>
+              <a:ea typeface="宋体" panose="02010600030101010101" pitchFamily="2" charset="-122"/>
+              <a:sym typeface="+mn-ea"/>
+            </a:endParaRPr>
+          </a:p>
+          <a:p>
+            <a:pPr fontAlgn="auto">
+              <a:defRPr/>
+            </a:pPr>
             <a:r>
               <a:rPr sz="2000" b="1" noProof="1">
+                <a:solidFill>
+                  <a:schemeClr val="tx1"/>
+                </a:solidFill>
                 <a:latin typeface="+mn-lt"/>
                 <a:ea typeface="宋体" panose="02010600030101010101" pitchFamily="2" charset="-122"/>
                 <a:sym typeface="+mn-ea"/>
               </a:rPr>
-              <a:t>基于智能手机本地操作系统如iOS、Android并使用原生程式编写运行的第三方应用程序,也叫本地app。</a:t>
+              <a:t>基于智能手机本地操作系统如iOS、Android并使用原生程式编写运行的第三方应用程序。</a:t>
             </a:r>
           </a:p>
           <a:p>
@@ -10580,7 +10650,29 @@
                 <a:ea typeface="宋体" panose="02010600030101010101" pitchFamily="2" charset="-122"/>
                 <a:sym typeface="+mn-ea"/>
               </a:rPr>
-              <a:t>-------</a:t>
+              <a:t>----</a:t>
+            </a:r>
+            <a:r>
+              <a:rPr lang="en-US" altLang="zh-CN" sz="2400" b="1" noProof="1">
+                <a:solidFill>
+                  <a:srgbClr val="7030A0"/>
+                </a:solidFill>
+                <a:latin typeface="+mn-lt"/>
+                <a:ea typeface="宋体" panose="02010600030101010101" pitchFamily="2" charset="-122"/>
+                <a:sym typeface="+mn-ea"/>
+              </a:rPr>
+              <a:t>-----</a:t>
+            </a:r>
+            <a:r>
+              <a:rPr lang="en-US" sz="2400" b="1" noProof="1">
+                <a:solidFill>
+                  <a:srgbClr val="7030A0"/>
+                </a:solidFill>
+                <a:latin typeface="+mn-lt"/>
+                <a:ea typeface="宋体" panose="02010600030101010101" pitchFamily="2" charset="-122"/>
+                <a:sym typeface="+mn-ea"/>
+              </a:rPr>
+              <a:t>---</a:t>
             </a:r>
             <a:r>
               <a:rPr sz="2400" b="1" noProof="1">
@@ -10613,7 +10705,29 @@
                 <a:ea typeface="宋体" panose="02010600030101010101" pitchFamily="2" charset="-122"/>
                 <a:sym typeface="+mn-ea"/>
               </a:rPr>
-              <a:t>----- object-c / swift </a:t>
+              <a:t>-</a:t>
+            </a:r>
+            <a:r>
+              <a:rPr lang="en-US" altLang="zh-CN" sz="2400" b="1" noProof="1">
+                <a:solidFill>
+                  <a:srgbClr val="7030A0"/>
+                </a:solidFill>
+                <a:latin typeface="+mn-lt"/>
+                <a:ea typeface="宋体" panose="02010600030101010101" pitchFamily="2" charset="-122"/>
+                <a:sym typeface="+mn-ea"/>
+              </a:rPr>
+              <a:t>-</a:t>
+            </a:r>
+            <a:r>
+              <a:rPr sz="2400" b="1" noProof="1">
+                <a:solidFill>
+                  <a:srgbClr val="7030A0"/>
+                </a:solidFill>
+                <a:latin typeface="+mn-lt"/>
+                <a:ea typeface="宋体" panose="02010600030101010101" pitchFamily="2" charset="-122"/>
+                <a:sym typeface="+mn-ea"/>
+              </a:rPr>
+              <a:t>---- object-c / swift </a:t>
             </a:r>
             <a:r>
               <a:rPr lang="en-US" sz="2400" b="1" noProof="1">
@@ -10643,18 +10757,6 @@
             <a:pPr fontAlgn="auto">
               <a:defRPr/>
             </a:pPr>
-            <a:endParaRPr sz="2000" noProof="1">
-              <a:solidFill>
-                <a:srgbClr val="7030A0"/>
-              </a:solidFill>
-              <a:ea typeface="宋体" panose="02010600030101010101" pitchFamily="2" charset="-122"/>
-              <a:sym typeface="+mn-ea"/>
-            </a:endParaRPr>
-          </a:p>
-          <a:p>
-            <a:pPr fontAlgn="auto">
-              <a:defRPr/>
-            </a:pPr>
             <a:r>
               <a:rPr sz="2400" b="1" noProof="1">
                 <a:solidFill>
@@ -10675,7 +10777,29 @@
                 <a:ea typeface="宋体" panose="02010600030101010101" pitchFamily="2" charset="-122"/>
                 <a:sym typeface="+mn-ea"/>
               </a:rPr>
-              <a:t>---</a:t>
+              <a:t>--</a:t>
+            </a:r>
+            <a:r>
+              <a:rPr lang="en-US" altLang="zh-CN" sz="2400" b="1" noProof="1">
+                <a:solidFill>
+                  <a:srgbClr val="7030A0"/>
+                </a:solidFill>
+                <a:latin typeface="+mn-lt"/>
+                <a:ea typeface="宋体" panose="02010600030101010101" pitchFamily="2" charset="-122"/>
+                <a:sym typeface="+mn-ea"/>
+              </a:rPr>
+              <a:t>-----</a:t>
+            </a:r>
+            <a:r>
+              <a:rPr lang="en-US" sz="2400" b="1" noProof="1">
+                <a:solidFill>
+                  <a:srgbClr val="7030A0"/>
+                </a:solidFill>
+                <a:latin typeface="+mn-lt"/>
+                <a:ea typeface="宋体" panose="02010600030101010101" pitchFamily="2" charset="-122"/>
+                <a:sym typeface="+mn-ea"/>
+              </a:rPr>
+              <a:t>-</a:t>
             </a:r>
             <a:r>
               <a:rPr sz="2400" b="1" noProof="1">
@@ -10738,10 +10862,58 @@
             <a:pPr fontAlgn="auto">
               <a:defRPr/>
             </a:pPr>
-            <a:endParaRPr sz="2000" noProof="1">
+            <a:r>
+              <a:rPr lang="en-US" altLang="zh-CN" sz="2400" b="1" dirty="0">
+                <a:solidFill>
+                  <a:srgbClr val="7030A0"/>
+                </a:solidFill>
+                <a:latin typeface="+mn-lt"/>
+                <a:ea typeface="宋体" panose="02010600030101010101" pitchFamily="2" charset="-122"/>
+              </a:rPr>
+              <a:t>HarmonyOS</a:t>
+            </a:r>
+            <a:r>
+              <a:rPr lang="sv-SE" altLang="zh-CN" sz="2400" b="1" noProof="1">
+                <a:solidFill>
+                  <a:srgbClr val="7030A0"/>
+                </a:solidFill>
+                <a:latin typeface="+mn-lt"/>
+                <a:ea typeface="宋体" panose="02010600030101010101" pitchFamily="2" charset="-122"/>
+                <a:sym typeface="+mn-ea"/>
+              </a:rPr>
+              <a:t> ----- </a:t>
+            </a:r>
+            <a:r>
+              <a:rPr lang="en-US" altLang="zh-CN" sz="2400" b="1" dirty="0">
+                <a:solidFill>
+                  <a:srgbClr val="7030A0"/>
+                </a:solidFill>
+                <a:latin typeface="+mn-lt"/>
+                <a:ea typeface="宋体" panose="02010600030101010101" pitchFamily="2" charset="-122"/>
+              </a:rPr>
+              <a:t>DevEco</a:t>
+            </a:r>
+            <a:r>
+              <a:rPr lang="sv-SE" altLang="zh-CN" sz="2400" b="1" noProof="1">
+                <a:solidFill>
+                  <a:srgbClr val="7030A0"/>
+                </a:solidFill>
+                <a:latin typeface="+mn-lt"/>
+                <a:ea typeface="宋体" panose="02010600030101010101" pitchFamily="2" charset="-122"/>
+                <a:sym typeface="+mn-ea"/>
+              </a:rPr>
+              <a:t> Studio --- java</a:t>
+            </a:r>
+          </a:p>
+          <a:p>
+            <a:pPr fontAlgn="auto">
+              <a:defRPr/>
+            </a:pPr>
+            <a:endParaRPr sz="2400" b="1" noProof="1">
               <a:solidFill>
                 <a:srgbClr val="7030A0"/>
               </a:solidFill>
+              <a:latin typeface="+mn-lt"/>
               <a:ea typeface="宋体" panose="02010600030101010101" pitchFamily="2" charset="-122"/>
               <a:sym typeface="+mn-ea"/>
             </a:endParaRPr>
@@ -10751,7 +10923,10 @@
               <a:defRPr/>
             </a:pPr>
             <a:r>
-              <a:rPr sz="1400" noProof="1">
+              <a:rPr sz="1400" b="1" noProof="1">
+                <a:solidFill>
+                  <a:schemeClr val="tx1"/>
+                </a:solidFill>
                 <a:latin typeface="+mn-lt"/>
                 <a:ea typeface="宋体" panose="02010600030101010101" pitchFamily="2" charset="-122"/>
                 <a:sym typeface="+mn-ea"/>
@@ -10763,7 +10938,10 @@
             <a:pPr fontAlgn="auto">
               <a:defRPr/>
             </a:pPr>
-            <a:endParaRPr sz="1400" noProof="1">
+            <a:endParaRPr sz="1400" b="1" noProof="1">
+              <a:solidFill>
+                <a:schemeClr val="tx1"/>
+              </a:solidFill>
               <a:ea typeface="宋体" panose="02010600030101010101" pitchFamily="2" charset="-122"/>
               <a:sym typeface="+mn-ea"/>
             </a:endParaRPr>
@@ -10773,7 +10951,10 @@
               <a:defRPr/>
             </a:pPr>
             <a:r>
-              <a:rPr lang="en-US" sz="1400" noProof="1">
+              <a:rPr lang="en-US" sz="1400" b="1" noProof="1">
+                <a:solidFill>
+                  <a:schemeClr val="tx1"/>
+                </a:solidFill>
                 <a:latin typeface="+mn-lt"/>
                 <a:ea typeface="宋体" panose="02010600030101010101" pitchFamily="2" charset="-122"/>
                 <a:sym typeface="+mn-ea"/>
@@ -10781,7 +10962,10 @@
               <a:t>W</a:t>
             </a:r>
             <a:r>
-              <a:rPr sz="1400" noProof="1">
+              <a:rPr sz="1400" b="1" noProof="1">
+                <a:solidFill>
+                  <a:schemeClr val="tx1"/>
+                </a:solidFill>
                 <a:latin typeface="+mn-lt"/>
                 <a:ea typeface="宋体" panose="02010600030101010101" pitchFamily="2" charset="-122"/>
                 <a:sym typeface="+mn-ea"/>
@@ -10789,7 +10973,10 @@
               <a:t>eb app </a:t>
             </a:r>
             <a:r>
-              <a:rPr lang="zh-CN" sz="1400" noProof="1">
+              <a:rPr lang="zh-CN" sz="1400" b="1" noProof="1">
+                <a:solidFill>
+                  <a:schemeClr val="tx1"/>
+                </a:solidFill>
                 <a:latin typeface="+mn-lt"/>
                 <a:ea typeface="宋体" panose="02010600030101010101" pitchFamily="2" charset="-122"/>
                 <a:sym typeface="+mn-ea"/>
@@ -10797,14 +10984,24 @@
               <a:t>：</a:t>
             </a:r>
             <a:r>
-              <a:rPr sz="1400" noProof="1">
-                <a:latin typeface="+mn-lt"/>
+              <a:rPr sz="1400" b="1" noProof="1">
+                <a:solidFill>
+                  <a:schemeClr val="tx1"/>
+                </a:solidFill>
                 <a:ea typeface="宋体" panose="02010600030101010101" pitchFamily="2" charset="-122"/>
                 <a:sym typeface="+mn-ea"/>
               </a:rPr>
               <a:t>HTML5</a:t>
             </a:r>
-            <a:endParaRPr sz="1400" noProof="1">
+          </a:p>
+          <a:p>
+            <a:pPr fontAlgn="auto">
+              <a:defRPr/>
+            </a:pPr>
+            <a:endParaRPr sz="1400" b="1" noProof="1">
+              <a:solidFill>
+                <a:schemeClr val="tx1"/>
+              </a:solidFill>
               <a:ea typeface="宋体" panose="02010600030101010101" pitchFamily="2" charset="-122"/>
               <a:sym typeface="+mn-ea"/>
             </a:endParaRPr>
@@ -10813,27 +11010,16 @@
             <a:pPr fontAlgn="auto">
               <a:defRPr/>
             </a:pPr>
-            <a:endParaRPr sz="1400" noProof="1">
-              <a:ea typeface="宋体" panose="02010600030101010101" pitchFamily="2" charset="-122"/>
-              <a:sym typeface="+mn-ea"/>
-            </a:endParaRPr>
-          </a:p>
-          <a:p>
-            <a:pPr fontAlgn="auto">
-              <a:defRPr/>
-            </a:pPr>
-            <a:r>
-              <a:rPr sz="1400" noProof="1">
-                <a:latin typeface="+mn-lt"/>
+            <a:r>
+              <a:rPr sz="1400" b="1" noProof="1">
+                <a:solidFill>
+                  <a:schemeClr val="tx1"/>
+                </a:solidFill>
                 <a:ea typeface="宋体" panose="02010600030101010101" pitchFamily="2" charset="-122"/>
                 <a:sym typeface="+mn-ea"/>
               </a:rPr>
               <a:t>微信小程序</a:t>
             </a:r>
-            <a:endParaRPr sz="1400" noProof="1">
-              <a:ea typeface="宋体" panose="02010600030101010101" pitchFamily="2" charset="-122"/>
-              <a:sym typeface="+mn-ea"/>
-            </a:endParaRPr>
           </a:p>
           <a:p>
             <a:pPr fontAlgn="auto">
@@ -11062,62 +11248,92 @@
       </p:grpSp>
       <p:pic>
         <p:nvPicPr>
-          <p:cNvPr id="18438" name="图片 1" descr="TIM截图20170802133633">
+          <p:cNvPr id="3" name="图片 2">
             <a:extLst>
               <a:ext uri="{FF2B5EF4-FFF2-40B4-BE49-F238E27FC236}">
-                <a16:creationId xmlns:a16="http://schemas.microsoft.com/office/drawing/2014/main" id="{3FEEDFD9-BE49-427F-B669-C8EB62B9ADAD}"/>
+                <a16:creationId xmlns:a16="http://schemas.microsoft.com/office/drawing/2014/main" id="{CB90B289-32DA-4637-A943-C5C7964A6A48}"/>
               </a:ext>
             </a:extLst>
           </p:cNvPr>
           <p:cNvPicPr>
-            <a:picLocks noChangeAspect="1" noChangeArrowheads="1"/>
+            <a:picLocks noChangeAspect="1"/>
           </p:cNvPicPr>
           <p:nvPr/>
         </p:nvPicPr>
         <p:blipFill>
-          <a:blip r:embed="rId4">
-            <a:extLst>
-              <a:ext uri="{28A0092B-C50C-407E-A947-70E740481C1C}">
-                <a14:useLocalDpi xmlns:a14="http://schemas.microsoft.com/office/drawing/2010/main" val="0"/>
-              </a:ext>
-            </a:extLst>
-          </a:blip>
-          <a:srcRect/>
+          <a:blip r:embed="rId4"/>
           <a:stretch>
             <a:fillRect/>
           </a:stretch>
         </p:blipFill>
-        <p:spPr bwMode="auto">
+        <p:spPr>
           <a:xfrm>
-            <a:off x="8793163" y="2105025"/>
-            <a:ext cx="3116262" cy="3565525"/>
+            <a:off x="8544170" y="5255588"/>
+            <a:ext cx="2489681" cy="736647"/>
           </a:xfrm>
           <a:prstGeom prst="rect">
             <a:avLst/>
           </a:prstGeom>
-          <a:noFill/>
-          <a:ln>
-            <a:noFill/>
-          </a:ln>
-          <a:extLst>
-            <a:ext uri="{909E8E84-426E-40DD-AFC4-6F175D3DCCD1}">
-              <a14:hiddenFill xmlns:a14="http://schemas.microsoft.com/office/drawing/2010/main">
-                <a:solidFill>
-                  <a:srgbClr val="FFFFFF"/>
-                </a:solidFill>
-              </a14:hiddenFill>
-            </a:ext>
-            <a:ext uri="{91240B29-F687-4F45-9708-019B960494DF}">
-              <a14:hiddenLine xmlns:a14="http://schemas.microsoft.com/office/drawing/2010/main" w="9525">
-                <a:solidFill>
-                  <a:srgbClr val="000000"/>
-                </a:solidFill>
-                <a:miter lim="800000"/>
-                <a:headEnd/>
-                <a:tailEnd/>
-              </a14:hiddenLine>
-            </a:ext>
-          </a:extLst>
+        </p:spPr>
+      </p:pic>
+      <p:pic>
+        <p:nvPicPr>
+          <p:cNvPr id="5" name="图片 4">
+            <a:extLst>
+              <a:ext uri="{FF2B5EF4-FFF2-40B4-BE49-F238E27FC236}">
+                <a16:creationId xmlns:a16="http://schemas.microsoft.com/office/drawing/2014/main" id="{6BADDFCF-9AF1-4CEE-ADAF-0219682EDCEE}"/>
+              </a:ext>
+            </a:extLst>
+          </p:cNvPr>
+          <p:cNvPicPr>
+            <a:picLocks noChangeAspect="1"/>
+          </p:cNvPicPr>
+          <p:nvPr/>
+        </p:nvPicPr>
+        <p:blipFill>
+          <a:blip r:embed="rId5"/>
+          <a:stretch>
+            <a:fillRect/>
+          </a:stretch>
+        </p:blipFill>
+        <p:spPr>
+          <a:xfrm>
+            <a:off x="8544170" y="4208935"/>
+            <a:ext cx="2304160" cy="769599"/>
+          </a:xfrm>
+          <a:prstGeom prst="rect">
+            <a:avLst/>
+          </a:prstGeom>
+        </p:spPr>
+      </p:pic>
+      <p:pic>
+        <p:nvPicPr>
+          <p:cNvPr id="6" name="图片 5">
+            <a:extLst>
+              <a:ext uri="{FF2B5EF4-FFF2-40B4-BE49-F238E27FC236}">
+                <a16:creationId xmlns:a16="http://schemas.microsoft.com/office/drawing/2014/main" id="{FEEBC23B-1B5D-4A88-B034-2AF1ABDFC8FB}"/>
+              </a:ext>
+            </a:extLst>
+          </p:cNvPr>
+          <p:cNvPicPr>
+            <a:picLocks noChangeAspect="1"/>
+          </p:cNvPicPr>
+          <p:nvPr/>
+        </p:nvPicPr>
+        <p:blipFill>
+          <a:blip r:embed="rId6"/>
+          <a:stretch>
+            <a:fillRect/>
+          </a:stretch>
+        </p:blipFill>
+        <p:spPr>
+          <a:xfrm>
+            <a:off x="8548327" y="2491781"/>
+            <a:ext cx="1440100" cy="1440100"/>
+          </a:xfrm>
+          <a:prstGeom prst="rect">
+            <a:avLst/>
+          </a:prstGeom>
         </p:spPr>
       </p:pic>
     </p:spTree>
@@ -11508,14 +11724,30 @@
             </a:pPr>
             <a:r>
               <a:rPr lang="zh-CN" altLang="en-US" dirty="0"/>
-              <a:t>软件：Android Studio </a:t>
-            </a:r>
-            <a:r>
-              <a:rPr lang="en-US" altLang="zh-CN" dirty="0"/>
+              <a:t>软件：</a:t>
+            </a:r>
+            <a:r>
+              <a:rPr lang="zh-CN" altLang="en-US" dirty="0">
+                <a:highlight>
+                  <a:srgbClr val="FFFF00"/>
+                </a:highlight>
+              </a:rPr>
+              <a:t>Android Studio </a:t>
+            </a:r>
+            <a:r>
+              <a:rPr lang="en-US" altLang="zh-CN" dirty="0">
+                <a:highlight>
+                  <a:srgbClr val="FFFF00"/>
+                </a:highlight>
+              </a:rPr>
               <a:t>4</a:t>
             </a:r>
             <a:r>
-              <a:rPr lang="zh-CN" altLang="en-US" dirty="0"/>
+              <a:rPr lang="zh-CN" altLang="en-US" dirty="0">
+                <a:highlight>
+                  <a:srgbClr val="FFFF00"/>
+                </a:highlight>
+              </a:rPr>
               <a:t> </a:t>
             </a:r>
           </a:p>
@@ -11720,7 +11952,7 @@
         </p:blipFill>
         <p:spPr bwMode="auto">
           <a:xfrm>
-            <a:off x="6966191" y="2420930"/>
+            <a:off x="6960060" y="3451516"/>
             <a:ext cx="4610100" cy="2266950"/>
           </a:xfrm>
           <a:prstGeom prst="rect">
@@ -11778,7 +12010,7 @@
           <a:lstStyle/>
           <a:p>
             <a:r>
-              <a:rPr lang="en-US" altLang="zh-CN">
+              <a:rPr lang="en-US" altLang="zh-CN" dirty="0">
                 <a:solidFill>
                   <a:schemeClr val="bg1"/>
                 </a:solidFill>
@@ -11786,28 +12018,12 @@
               <a:t>5. </a:t>
             </a:r>
             <a:r>
-              <a:rPr lang="zh-CN" altLang="en-US">
+              <a:rPr lang="zh-CN" altLang="en-US" dirty="0">
                 <a:solidFill>
                   <a:schemeClr val="bg1"/>
                 </a:solidFill>
               </a:rPr>
               <a:t>教学计划</a:t>
-            </a:r>
-            <a:r>
-              <a:rPr lang="en-US" altLang="zh-CN">
-                <a:solidFill>
-                  <a:schemeClr val="bg1"/>
-                </a:solidFill>
-              </a:rPr>
-              <a:t>&amp;</a:t>
-            </a:r>
-            <a:r>
-              <a:rPr lang="zh-CN" altLang="en-US">
-                <a:solidFill>
-                  <a:schemeClr val="bg1"/>
-                </a:solidFill>
-              </a:rPr>
-              <a:t>作业</a:t>
             </a:r>
           </a:p>
         </p:txBody>
@@ -11830,10 +12046,32 @@
         </p:nvSpPr>
         <p:spPr>
           <a:xfrm>
-            <a:off x="407605" y="1433512"/>
-            <a:ext cx="11185525" cy="5133975"/>
+            <a:off x="407605" y="1700880"/>
+            <a:ext cx="7922160" cy="3888270"/>
           </a:xfrm>
+          <a:solidFill>
+            <a:schemeClr val="dk1">
+              <a:alpha val="50000"/>
+            </a:schemeClr>
+          </a:solidFill>
+          <a:ln>
+            <a:noFill/>
+          </a:ln>
         </p:spPr>
+        <p:style>
+          <a:lnRef idx="0">
+            <a:scrgbClr r="0" g="0" b="0"/>
+          </a:lnRef>
+          <a:fillRef idx="0">
+            <a:scrgbClr r="0" g="0" b="0"/>
+          </a:fillRef>
+          <a:effectRef idx="0">
+            <a:scrgbClr r="0" g="0" b="0"/>
+          </a:effectRef>
+          <a:fontRef idx="minor">
+            <a:schemeClr val="lt1"/>
+          </a:fontRef>
+        </p:style>
         <p:txBody>
           <a:bodyPr/>
           <a:lstStyle/>
@@ -11847,13 +12085,23 @@
             <a:r>
               <a:rPr lang="zh-CN" altLang="en-US" sz="2000" noProof="1">
                 <a:latin typeface="Times New Roman" panose="02020603050405020304" pitchFamily="18" charset="0"/>
-                <a:sym typeface="+mn-ea"/>
               </a:rPr>
-              <a:t>技术博客：CSDN、博客园、知乎、简书、掘金。</a:t>
+              <a:t>安装</a:t>
+            </a:r>
+            <a:r>
+              <a:rPr lang="en-US" altLang="zh-CN" sz="2000" noProof="1">
+                <a:latin typeface="Times New Roman" panose="02020603050405020304" pitchFamily="18" charset="0"/>
+              </a:rPr>
+              <a:t>Android Studio</a:t>
+            </a:r>
+            <a:r>
+              <a:rPr lang="zh-CN" altLang="en-US" sz="2000" noProof="1">
+                <a:latin typeface="Times New Roman" panose="02020603050405020304" pitchFamily="18" charset="0"/>
+              </a:rPr>
+              <a:t>。</a:t>
             </a:r>
             <a:endParaRPr lang="en-US" altLang="zh-CN" sz="2000" noProof="1">
               <a:latin typeface="Times New Roman" panose="02020603050405020304" pitchFamily="18" charset="0"/>
-              <a:sym typeface="+mn-ea"/>
             </a:endParaRPr>
           </a:p>
           <a:p>
@@ -11863,7 +12111,25 @@
               </a:lnSpc>
               <a:defRPr/>
             </a:pPr>
-            <a:endParaRPr lang="zh-CN" altLang="en-US" sz="2000" noProof="1">
+            <a:r>
+              <a:rPr lang="zh-CN" altLang="en-US" sz="2000" noProof="1">
+                <a:latin typeface="Times New Roman" panose="02020603050405020304" pitchFamily="18" charset="0"/>
+              </a:rPr>
+              <a:t>打开自己手机的“开发者模式”，尝试在真机上测试</a:t>
+            </a:r>
+            <a:r>
+              <a:rPr lang="en-US" altLang="zh-CN" sz="2000" noProof="1">
+                <a:latin typeface="Times New Roman" panose="02020603050405020304" pitchFamily="18" charset="0"/>
+              </a:rPr>
+              <a:t>APP</a:t>
+            </a:r>
+            <a:r>
+              <a:rPr lang="zh-CN" altLang="en-US" sz="2000" noProof="1">
+                <a:latin typeface="Times New Roman" panose="02020603050405020304" pitchFamily="18" charset="0"/>
+              </a:rPr>
+              <a:t>。</a:t>
+            </a:r>
+            <a:endParaRPr lang="en-US" altLang="zh-CN" sz="2000" noProof="1">
               <a:latin typeface="Times New Roman" panose="02020603050405020304" pitchFamily="18" charset="0"/>
             </a:endParaRPr>
           </a:p>
@@ -11878,7 +12144,31 @@
               <a:rPr lang="zh-CN" altLang="en-US" sz="2000" noProof="1">
                 <a:latin typeface="Times New Roman" panose="02020603050405020304" pitchFamily="18" charset="0"/>
               </a:rPr>
-              <a:t>代码作业。GitHub 存储代码。</a:t>
+              <a:t>学习</a:t>
+            </a:r>
+            <a:r>
+              <a:rPr lang="en-US" altLang="zh-CN" sz="2000" noProof="1">
+                <a:latin typeface="Times New Roman" panose="02020603050405020304" pitchFamily="18" charset="0"/>
+              </a:rPr>
+              <a:t>Git</a:t>
+            </a:r>
+            <a:r>
+              <a:rPr lang="zh-CN" altLang="en-US" sz="2000" noProof="1">
+                <a:latin typeface="Times New Roman" panose="02020603050405020304" pitchFamily="18" charset="0"/>
+              </a:rPr>
+              <a:t>；了解GitHub、</a:t>
+            </a:r>
+            <a:r>
+              <a:rPr lang="en-US" altLang="zh-CN" sz="2000" noProof="1">
+                <a:latin typeface="Times New Roman" panose="02020603050405020304" pitchFamily="18" charset="0"/>
+              </a:rPr>
+              <a:t>Gitee</a:t>
+            </a:r>
+            <a:r>
+              <a:rPr lang="zh-CN" altLang="en-US" sz="2000" noProof="1">
+                <a:latin typeface="Times New Roman" panose="02020603050405020304" pitchFamily="18" charset="0"/>
+              </a:rPr>
+              <a:t>。</a:t>
             </a:r>
             <a:endParaRPr lang="en-US" altLang="zh-CN" sz="2000" noProof="1">
               <a:latin typeface="Times New Roman" panose="02020603050405020304" pitchFamily="18" charset="0"/>
@@ -11891,6 +12181,12 @@
               </a:lnSpc>
               <a:defRPr/>
             </a:pPr>
+            <a:r>
+              <a:rPr lang="zh-CN" altLang="en-US" sz="2000" noProof="1">
+                <a:latin typeface="Times New Roman" panose="02020603050405020304" pitchFamily="18" charset="0"/>
+              </a:rPr>
+              <a:t>实验课：带自己的笔记本电脑上课。</a:t>
+            </a:r>
             <a:endParaRPr lang="en-US" altLang="zh-CN" sz="2000" noProof="1">
               <a:latin typeface="Times New Roman" panose="02020603050405020304" pitchFamily="18" charset="0"/>
             </a:endParaRPr>
@@ -11906,19 +12202,7 @@
               <a:rPr lang="zh-CN" altLang="en-US" sz="2000" noProof="1">
                 <a:latin typeface="Times New Roman" panose="02020603050405020304" pitchFamily="18" charset="0"/>
               </a:rPr>
-              <a:t>本次作业：安装</a:t>
-            </a:r>
-            <a:r>
-              <a:rPr lang="en-US" altLang="zh-CN" sz="2000" noProof="1">
-                <a:latin typeface="Times New Roman" panose="02020603050405020304" pitchFamily="18" charset="0"/>
-              </a:rPr>
-              <a:t>Android Studio</a:t>
-            </a:r>
-            <a:r>
-              <a:rPr lang="zh-CN" altLang="en-US" sz="2000" noProof="1">
-                <a:latin typeface="Times New Roman" panose="02020603050405020304" pitchFamily="18" charset="0"/>
-              </a:rPr>
-              <a:t>，温习</a:t>
+              <a:t>复习</a:t>
             </a:r>
             <a:r>
               <a:rPr lang="en-US" altLang="zh-CN" sz="2000" noProof="1">
@@ -11944,16 +12228,6 @@
               </a:rPr>
               <a:t>。</a:t>
             </a:r>
-          </a:p>
-          <a:p>
-            <a:pPr marL="0" indent="0">
-              <a:lnSpc>
-                <a:spcPct val="200000"/>
-              </a:lnSpc>
-              <a:buFont typeface="Wingdings" panose="05000000000000000000" pitchFamily="2" charset="2"/>
-              <a:buNone/>
-              <a:defRPr/>
-            </a:pPr>
             <a:endParaRPr lang="zh-CN" altLang="en-US" sz="2000" noProof="1">
               <a:solidFill>
                 <a:srgbClr val="FF0000"/>

--- a/00.0 -- 移动开发 -- 第00章.pptx
+++ b/00.0 -- 移动开发 -- 第00章.pptx
@@ -8136,27 +8136,44 @@
           <a:prstGeom prst="rect">
             <a:avLst/>
           </a:prstGeom>
-          <a:solidFill>
-            <a:schemeClr val="dk1">
-              <a:alpha val="50000"/>
-            </a:schemeClr>
-          </a:solidFill>
-          <a:ln>
-            <a:noFill/>
-          </a:ln>
+          <a:gradFill flip="none" rotWithShape="1">
+            <a:gsLst>
+              <a:gs pos="0">
+                <a:srgbClr val="4D9DC4">
+                  <a:tint val="66000"/>
+                  <a:satMod val="160000"/>
+                </a:srgbClr>
+              </a:gs>
+              <a:gs pos="50000">
+                <a:srgbClr val="4D9DC4">
+                  <a:tint val="44500"/>
+                  <a:satMod val="160000"/>
+                </a:srgbClr>
+              </a:gs>
+              <a:gs pos="100000">
+                <a:srgbClr val="4D9DC4">
+                  <a:tint val="23500"/>
+                  <a:satMod val="160000"/>
+                </a:srgbClr>
+              </a:gs>
+            </a:gsLst>
+            <a:lin ang="16200000" scaled="1"/>
+            <a:tileRect/>
+          </a:gradFill>
+          <a:ln/>
         </p:spPr>
         <p:style>
-          <a:lnRef idx="0">
-            <a:scrgbClr r="0" g="0" b="0"/>
+          <a:lnRef idx="1">
+            <a:schemeClr val="accent5"/>
           </a:lnRef>
-          <a:fillRef idx="0">
-            <a:scrgbClr r="0" g="0" b="0"/>
+          <a:fillRef idx="2">
+            <a:schemeClr val="accent5"/>
           </a:fillRef>
-          <a:effectRef idx="0">
-            <a:scrgbClr r="0" g="0" b="0"/>
+          <a:effectRef idx="1">
+            <a:schemeClr val="accent5"/>
           </a:effectRef>
           <a:fontRef idx="minor">
-            <a:schemeClr val="lt1"/>
+            <a:schemeClr val="dk1"/>
           </a:fontRef>
         </p:style>
         <p:txBody>
@@ -9293,6 +9310,9 @@
           <a:ln>
             <a:noFill/>
           </a:ln>
+          <a:effectLst>
+            <a:softEdge rad="127000"/>
+          </a:effectLst>
         </p:spPr>
         <p:style>
           <a:lnRef idx="0">
@@ -9586,7 +9606,7 @@
         </p:blipFill>
         <p:spPr bwMode="auto">
           <a:xfrm>
-            <a:off x="8965987" y="4437070"/>
+            <a:off x="7464095" y="4293060"/>
             <a:ext cx="2352675" cy="1095375"/>
           </a:xfrm>
           <a:prstGeom prst="rect">
@@ -10216,11 +10236,30 @@
           <a:prstGeom prst="rect">
             <a:avLst/>
           </a:prstGeom>
-          <a:solidFill>
-            <a:schemeClr val="dk1">
-              <a:alpha val="50000"/>
-            </a:schemeClr>
-          </a:solidFill>
+          <a:gradFill flip="none" rotWithShape="1">
+            <a:gsLst>
+              <a:gs pos="0">
+                <a:schemeClr val="dk1">
+                  <a:tint val="66000"/>
+                  <a:satMod val="160000"/>
+                </a:schemeClr>
+              </a:gs>
+              <a:gs pos="50000">
+                <a:schemeClr val="dk1">
+                  <a:tint val="44500"/>
+                  <a:satMod val="160000"/>
+                </a:schemeClr>
+              </a:gs>
+              <a:gs pos="100000">
+                <a:schemeClr val="dk1">
+                  <a:tint val="23500"/>
+                  <a:satMod val="160000"/>
+                </a:schemeClr>
+              </a:gs>
+            </a:gsLst>
+            <a:lin ang="2700000" scaled="1"/>
+            <a:tileRect/>
+          </a:gradFill>
           <a:ln>
             <a:noFill/>
           </a:ln>
@@ -11732,23 +11771,7 @@
                   <a:srgbClr val="FFFF00"/>
                 </a:highlight>
               </a:rPr>
-              <a:t>Android Studio </a:t>
-            </a:r>
-            <a:r>
-              <a:rPr lang="en-US" altLang="zh-CN" dirty="0">
-                <a:highlight>
-                  <a:srgbClr val="FFFF00"/>
-                </a:highlight>
-              </a:rPr>
-              <a:t>4</a:t>
-            </a:r>
-            <a:r>
-              <a:rPr lang="zh-CN" altLang="en-US" dirty="0">
-                <a:highlight>
-                  <a:srgbClr val="FFFF00"/>
-                </a:highlight>
-              </a:rPr>
-              <a:t> </a:t>
+              <a:t>Android Studio</a:t>
             </a:r>
           </a:p>
           <a:p>
